--- a/make_presentation/templates/templates/classic/_8.pptx
+++ b/make_presentation/templates/templates/classic/_8.pptx
@@ -299,7 +299,7 @@
             <a:pPr algn="r">
               <a:buNone/>
             </a:pPr>
-            <a:fld id="{AA7C3FE6-5268-47D6-8044-435D9300CFA6}" type="slidenum">
+            <a:fld id="{D02F6FCC-B261-40BB-8767-9DF354301D57}" type="slidenum">
               <a:rPr b="0" lang="en-US" sz="1400" spc="-1" strike="noStrike">
                 <a:latin typeface="Times New Roman"/>
               </a:rPr>
@@ -347,7 +347,7 @@
         <p:spPr>
           <a:xfrm>
             <a:off x="380880" y="685800"/>
-            <a:ext cx="6093000" cy="3426120"/>
+            <a:ext cx="6092640" cy="3425760"/>
           </a:xfrm>
           <a:prstGeom prst="rect">
             <a:avLst/>
@@ -370,7 +370,7 @@
         <p:spPr>
           <a:xfrm>
             <a:off x="685800" y="4343400"/>
-            <a:ext cx="5483520" cy="4111920"/>
+            <a:ext cx="5483160" cy="4111560"/>
           </a:xfrm>
           <a:prstGeom prst="rect">
             <a:avLst/>
@@ -404,7 +404,7 @@
         <p:spPr>
           <a:xfrm>
             <a:off x="3884760" y="8685360"/>
-            <a:ext cx="2968920" cy="454320"/>
+            <a:ext cx="2968560" cy="453960"/>
           </a:xfrm>
           <a:prstGeom prst="rect">
             <a:avLst/>
@@ -440,7 +440,7 @@
               </a:lnSpc>
               <a:buNone/>
             </a:pPr>
-            <a:fld id="{A2D45FC6-56C9-4282-9612-F2EDC3356125}" type="slidenum">
+            <a:fld id="{3E48D07F-A1F7-46D6-95E6-178C14D32BCC}" type="slidenum">
               <a:rPr b="0" lang="en-US" sz="1200" spc="-1" strike="noStrike">
                 <a:solidFill>
                   <a:srgbClr val="000000"/>
@@ -491,7 +491,7 @@
         <p:spPr>
           <a:xfrm>
             <a:off x="380880" y="685800"/>
-            <a:ext cx="6093000" cy="3426120"/>
+            <a:ext cx="6092640" cy="3425760"/>
           </a:xfrm>
           <a:prstGeom prst="rect">
             <a:avLst/>
@@ -514,7 +514,7 @@
         <p:spPr>
           <a:xfrm>
             <a:off x="685800" y="4343400"/>
-            <a:ext cx="5483520" cy="4111920"/>
+            <a:ext cx="5483160" cy="4111560"/>
           </a:xfrm>
           <a:prstGeom prst="rect">
             <a:avLst/>
@@ -548,7 +548,7 @@
         <p:spPr>
           <a:xfrm>
             <a:off x="3884760" y="8685360"/>
-            <a:ext cx="2968920" cy="454320"/>
+            <a:ext cx="2968560" cy="453960"/>
           </a:xfrm>
           <a:prstGeom prst="rect">
             <a:avLst/>
@@ -584,7 +584,7 @@
               </a:lnSpc>
               <a:buNone/>
             </a:pPr>
-            <a:fld id="{2699C2D2-8551-43DD-825C-E330DAEFF631}" type="slidenum">
+            <a:fld id="{737610C9-00AF-4A55-8CF8-E1FD5FBB9FA4}" type="slidenum">
               <a:rPr b="0" lang="en-US" sz="1200" spc="-1" strike="noStrike">
                 <a:solidFill>
                   <a:srgbClr val="000000"/>
@@ -635,7 +635,7 @@
         <p:spPr>
           <a:xfrm>
             <a:off x="380880" y="685800"/>
-            <a:ext cx="6093000" cy="3426120"/>
+            <a:ext cx="6092640" cy="3425760"/>
           </a:xfrm>
           <a:prstGeom prst="rect">
             <a:avLst/>
@@ -658,7 +658,7 @@
         <p:spPr>
           <a:xfrm>
             <a:off x="685800" y="4343400"/>
-            <a:ext cx="5483520" cy="4111920"/>
+            <a:ext cx="5483160" cy="4111560"/>
           </a:xfrm>
           <a:prstGeom prst="rect">
             <a:avLst/>
@@ -692,7 +692,7 @@
         <p:spPr>
           <a:xfrm>
             <a:off x="3884760" y="8685360"/>
-            <a:ext cx="2968920" cy="454320"/>
+            <a:ext cx="2968560" cy="453960"/>
           </a:xfrm>
           <a:prstGeom prst="rect">
             <a:avLst/>
@@ -728,7 +728,7 @@
               </a:lnSpc>
               <a:buNone/>
             </a:pPr>
-            <a:fld id="{03729A04-8E8F-4C57-9A85-4D47002495F6}" type="slidenum">
+            <a:fld id="{554FD101-C2DB-437B-AAB4-2DE4DB6F3770}" type="slidenum">
               <a:rPr b="0" lang="en-US" sz="1200" spc="-1" strike="noStrike">
                 <a:solidFill>
                   <a:srgbClr val="000000"/>
@@ -779,7 +779,7 @@
         <p:spPr>
           <a:xfrm>
             <a:off x="380880" y="685800"/>
-            <a:ext cx="6093000" cy="3426120"/>
+            <a:ext cx="6092640" cy="3425760"/>
           </a:xfrm>
           <a:prstGeom prst="rect">
             <a:avLst/>
@@ -802,7 +802,7 @@
         <p:spPr>
           <a:xfrm>
             <a:off x="685800" y="4343400"/>
-            <a:ext cx="5483520" cy="4111920"/>
+            <a:ext cx="5483160" cy="4111560"/>
           </a:xfrm>
           <a:prstGeom prst="rect">
             <a:avLst/>
@@ -836,7 +836,7 @@
         <p:spPr>
           <a:xfrm>
             <a:off x="3884760" y="8685360"/>
-            <a:ext cx="2968920" cy="454320"/>
+            <a:ext cx="2968560" cy="453960"/>
           </a:xfrm>
           <a:prstGeom prst="rect">
             <a:avLst/>
@@ -872,7 +872,7 @@
               </a:lnSpc>
               <a:buNone/>
             </a:pPr>
-            <a:fld id="{3F9218C9-ECDB-422A-B1EE-EB1C57DECCFF}" type="slidenum">
+            <a:fld id="{440B91F9-848D-4A72-8643-EBBCCE2688F4}" type="slidenum">
               <a:rPr b="0" lang="en-US" sz="1200" spc="-1" strike="noStrike">
                 <a:solidFill>
                   <a:srgbClr val="000000"/>
@@ -923,7 +923,7 @@
         <p:spPr>
           <a:xfrm>
             <a:off x="380880" y="685800"/>
-            <a:ext cx="6093000" cy="3426120"/>
+            <a:ext cx="6092640" cy="3425760"/>
           </a:xfrm>
           <a:prstGeom prst="rect">
             <a:avLst/>
@@ -946,7 +946,7 @@
         <p:spPr>
           <a:xfrm>
             <a:off x="685800" y="4343400"/>
-            <a:ext cx="5483520" cy="4111920"/>
+            <a:ext cx="5483160" cy="4111560"/>
           </a:xfrm>
           <a:prstGeom prst="rect">
             <a:avLst/>
@@ -980,7 +980,7 @@
         <p:spPr>
           <a:xfrm>
             <a:off x="3884760" y="8685360"/>
-            <a:ext cx="2968920" cy="454320"/>
+            <a:ext cx="2968560" cy="453960"/>
           </a:xfrm>
           <a:prstGeom prst="rect">
             <a:avLst/>
@@ -1016,7 +1016,7 @@
               </a:lnSpc>
               <a:buNone/>
             </a:pPr>
-            <a:fld id="{4BC0135C-2E23-4C57-91A5-A584917D213B}" type="slidenum">
+            <a:fld id="{170D8D55-BB80-4534-8F9C-CB56397DAEC9}" type="slidenum">
               <a:rPr b="0" lang="en-US" sz="1200" spc="-1" strike="noStrike">
                 <a:solidFill>
                   <a:srgbClr val="000000"/>
@@ -1067,7 +1067,7 @@
         <p:spPr>
           <a:xfrm>
             <a:off x="380880" y="685800"/>
-            <a:ext cx="6093000" cy="3426120"/>
+            <a:ext cx="6092640" cy="3425760"/>
           </a:xfrm>
           <a:prstGeom prst="rect">
             <a:avLst/>
@@ -1090,7 +1090,7 @@
         <p:spPr>
           <a:xfrm>
             <a:off x="685800" y="4343400"/>
-            <a:ext cx="5483520" cy="4111920"/>
+            <a:ext cx="5483160" cy="4111560"/>
           </a:xfrm>
           <a:prstGeom prst="rect">
             <a:avLst/>
@@ -1124,7 +1124,7 @@
         <p:spPr>
           <a:xfrm>
             <a:off x="3884760" y="8685360"/>
-            <a:ext cx="2968920" cy="454320"/>
+            <a:ext cx="2968560" cy="453960"/>
           </a:xfrm>
           <a:prstGeom prst="rect">
             <a:avLst/>
@@ -1160,7 +1160,7 @@
               </a:lnSpc>
               <a:buNone/>
             </a:pPr>
-            <a:fld id="{606F7840-7AE0-4264-ACE2-73A3ED4FE93C}" type="slidenum">
+            <a:fld id="{3E23124E-F171-4E5A-9AC6-C539FA54A02E}" type="slidenum">
               <a:rPr b="0" lang="en-US" sz="1200" spc="-1" strike="noStrike">
                 <a:solidFill>
                   <a:srgbClr val="000000"/>
@@ -1211,7 +1211,7 @@
         <p:spPr>
           <a:xfrm>
             <a:off x="380880" y="685800"/>
-            <a:ext cx="6093000" cy="3426120"/>
+            <a:ext cx="6092640" cy="3425760"/>
           </a:xfrm>
           <a:prstGeom prst="rect">
             <a:avLst/>
@@ -1234,7 +1234,7 @@
         <p:spPr>
           <a:xfrm>
             <a:off x="685800" y="4343400"/>
-            <a:ext cx="5483520" cy="4111920"/>
+            <a:ext cx="5483160" cy="4111560"/>
           </a:xfrm>
           <a:prstGeom prst="rect">
             <a:avLst/>
@@ -1268,7 +1268,7 @@
         <p:spPr>
           <a:xfrm>
             <a:off x="3884760" y="8685360"/>
-            <a:ext cx="2968920" cy="454320"/>
+            <a:ext cx="2968560" cy="453960"/>
           </a:xfrm>
           <a:prstGeom prst="rect">
             <a:avLst/>
@@ -1304,7 +1304,7 @@
               </a:lnSpc>
               <a:buNone/>
             </a:pPr>
-            <a:fld id="{183C0773-CE3B-477C-BE97-D7BF93913738}" type="slidenum">
+            <a:fld id="{DC63BF0A-0542-4794-8C81-699A3F2C9B50}" type="slidenum">
               <a:rPr b="0" lang="en-US" sz="1200" spc="-1" strike="noStrike">
                 <a:solidFill>
                   <a:srgbClr val="000000"/>
@@ -1355,7 +1355,7 @@
         <p:spPr>
           <a:xfrm>
             <a:off x="380880" y="685800"/>
-            <a:ext cx="6093000" cy="3426120"/>
+            <a:ext cx="6092640" cy="3425760"/>
           </a:xfrm>
           <a:prstGeom prst="rect">
             <a:avLst/>
@@ -1378,7 +1378,7 @@
         <p:spPr>
           <a:xfrm>
             <a:off x="685800" y="4343400"/>
-            <a:ext cx="5483520" cy="4111920"/>
+            <a:ext cx="5483160" cy="4111560"/>
           </a:xfrm>
           <a:prstGeom prst="rect">
             <a:avLst/>
@@ -1412,7 +1412,7 @@
         <p:spPr>
           <a:xfrm>
             <a:off x="3884760" y="8685360"/>
-            <a:ext cx="2968920" cy="454320"/>
+            <a:ext cx="2968560" cy="453960"/>
           </a:xfrm>
           <a:prstGeom prst="rect">
             <a:avLst/>
@@ -1448,7 +1448,7 @@
               </a:lnSpc>
               <a:buNone/>
             </a:pPr>
-            <a:fld id="{214A25F1-87A3-4E25-B361-60CD368B010F}" type="slidenum">
+            <a:fld id="{1C3284D2-26E0-4259-A045-EA4705BC13EE}" type="slidenum">
               <a:rPr b="0" lang="en-US" sz="1200" spc="-1" strike="noStrike">
                 <a:solidFill>
                   <a:srgbClr val="000000"/>
@@ -1520,7 +1520,7 @@
         <p:txBody>
           <a:bodyPr/>
           <a:p>
-            <a:fld id="{E00B3C7F-285A-4D1D-8E1E-689DF948D645}" type="slidenum">
+            <a:fld id="{ECE64A0B-A656-4F75-8D68-BC1960708409}" type="slidenum">
               <a:t>&lt;#&gt;</a:t>
             </a:fld>
           </a:p>
@@ -1708,7 +1708,7 @@
         <p:txBody>
           <a:bodyPr/>
           <a:p>
-            <a:fld id="{2213A35B-9502-4D0E-8D19-BEA77A4D5413}" type="slidenum">
+            <a:fld id="{95A77831-363C-4F74-A98E-7A31B7017FD6}" type="slidenum">
               <a:t>&lt;#&gt;</a:t>
             </a:fld>
           </a:p>
@@ -1964,7 +1964,7 @@
         <p:txBody>
           <a:bodyPr/>
           <a:p>
-            <a:fld id="{50110ABE-5557-4934-8EF3-EB83BDD7970E}" type="slidenum">
+            <a:fld id="{9968314C-BCE3-4696-B4FF-F460A54A51B4}" type="slidenum">
               <a:t>&lt;#&gt;</a:t>
             </a:fld>
           </a:p>
@@ -2288,7 +2288,7 @@
         <p:txBody>
           <a:bodyPr/>
           <a:p>
-            <a:fld id="{CF337F94-5355-41C5-98BD-C1732B344253}" type="slidenum">
+            <a:fld id="{EECC870A-137F-4595-850A-DC1DBEFEA09F}" type="slidenum">
               <a:t>&lt;#&gt;</a:t>
             </a:fld>
           </a:p>
@@ -2445,7 +2445,7 @@
         <p:txBody>
           <a:bodyPr/>
           <a:p>
-            <a:fld id="{66F643F7-DBBB-4233-833D-CD6B3C51C7A0}" type="slidenum">
+            <a:fld id="{B0E775B2-B158-4DFE-83C8-E73BD93C210C}" type="slidenum">
               <a:t>&lt;#&gt;</a:t>
             </a:fld>
           </a:p>
@@ -2599,7 +2599,7 @@
         <p:txBody>
           <a:bodyPr/>
           <a:p>
-            <a:fld id="{4A078664-14ED-45AD-9A56-E3B377D9F8DB}" type="slidenum">
+            <a:fld id="{23DCA898-C93D-46C2-84E6-8EF101840E55}" type="slidenum">
               <a:t>&lt;#&gt;</a:t>
             </a:fld>
           </a:p>
@@ -2787,7 +2787,7 @@
         <p:txBody>
           <a:bodyPr/>
           <a:p>
-            <a:fld id="{B8513DE6-67D7-4AF0-8AA3-F92455151CFA}" type="slidenum">
+            <a:fld id="{A8FF228F-7828-42AF-8D9F-109B76657D4B}" type="slidenum">
               <a:t>&lt;#&gt;</a:t>
             </a:fld>
           </a:p>
@@ -2907,7 +2907,7 @@
         <p:txBody>
           <a:bodyPr/>
           <a:p>
-            <a:fld id="{357D70AD-EBAF-4766-ADC9-F9A7574551FD}" type="slidenum">
+            <a:fld id="{B72CF469-8141-4284-B577-AD3284CE252F}" type="slidenum">
               <a:t>&lt;#&gt;</a:t>
             </a:fld>
           </a:p>
@@ -3027,7 +3027,7 @@
         <p:txBody>
           <a:bodyPr/>
           <a:p>
-            <a:fld id="{F4B780AD-74A0-49CB-9B0F-4FD208A5B5B3}" type="slidenum">
+            <a:fld id="{3C7F03BB-A1B4-420E-9800-CF0C9C576DB3}" type="slidenum">
               <a:t>&lt;#&gt;</a:t>
             </a:fld>
           </a:p>
@@ -3249,7 +3249,7 @@
         <p:txBody>
           <a:bodyPr/>
           <a:p>
-            <a:fld id="{792BFD2C-0ACB-44E8-84A6-E82B114B6A92}" type="slidenum">
+            <a:fld id="{CF61E9DC-3233-40CB-B5D1-B9D0F3C10DCA}" type="slidenum">
               <a:t>&lt;#&gt;</a:t>
             </a:fld>
           </a:p>
@@ -3471,7 +3471,7 @@
         <p:txBody>
           <a:bodyPr/>
           <a:p>
-            <a:fld id="{EE2B53D8-0443-44CF-A9C5-D89C3E2DB018}" type="slidenum">
+            <a:fld id="{E626B409-E3FA-453A-8C14-ADF9FCFBAD98}" type="slidenum">
               <a:t>&lt;#&gt;</a:t>
             </a:fld>
           </a:p>
@@ -3693,7 +3693,7 @@
         <p:txBody>
           <a:bodyPr/>
           <a:p>
-            <a:fld id="{2FC4E000-BE71-43E8-8D4D-4D780AA59CAD}" type="slidenum">
+            <a:fld id="{3EBF7DB5-2955-46D8-B0B6-06C413D3F736}" type="slidenum">
               <a:t>&lt;#&gt;</a:t>
             </a:fld>
           </a:p>
@@ -3762,7 +3762,7 @@
         <p:spPr>
           <a:xfrm>
             <a:off x="3028680" y="4771440"/>
-            <a:ext cx="3083760" cy="271800"/>
+            <a:ext cx="3083400" cy="271440"/>
           </a:xfrm>
           <a:prstGeom prst="rect">
             <a:avLst/>
@@ -3827,7 +3827,7 @@
         <p:spPr>
           <a:xfrm>
             <a:off x="6457680" y="4771440"/>
-            <a:ext cx="2055240" cy="271800"/>
+            <a:ext cx="2054880" cy="271440"/>
           </a:xfrm>
           <a:prstGeom prst="rect">
             <a:avLst/>
@@ -3863,7 +3863,7 @@
               </a:lnSpc>
               <a:buNone/>
             </a:pPr>
-            <a:fld id="{BC9A36D2-FFE5-4727-B264-70087F0E468E}" type="slidenum">
+            <a:fld id="{02997CE6-944E-41F1-A3E3-BC23182C0078}" type="slidenum">
               <a:rPr b="0" lang="en-US" sz="1200" spc="-1" strike="noStrike">
                 <a:solidFill>
                   <a:srgbClr val="8b8b8b"/>
@@ -3892,7 +3892,7 @@
         <p:spPr>
           <a:xfrm>
             <a:off x="628200" y="4771440"/>
-            <a:ext cx="2055240" cy="271800"/>
+            <a:ext cx="2054880" cy="271440"/>
           </a:xfrm>
           <a:prstGeom prst="rect">
             <a:avLst/>
@@ -4204,8 +4204,8 @@
         </p:nvSpPr>
         <p:spPr>
           <a:xfrm rot="2744400">
-            <a:off x="-282600" y="-25920"/>
-            <a:ext cx="705960" cy="705600"/>
+            <a:off x="-282240" y="-25920"/>
+            <a:ext cx="705600" cy="705240"/>
           </a:xfrm>
           <a:prstGeom prst="roundRect">
             <a:avLst>
@@ -4242,8 +4242,8 @@
         </p:nvSpPr>
         <p:spPr>
           <a:xfrm rot="2625600">
-            <a:off x="6024960" y="4334040"/>
-            <a:ext cx="469800" cy="469800"/>
+            <a:off x="6024960" y="4333680"/>
+            <a:ext cx="469440" cy="469440"/>
           </a:xfrm>
           <a:prstGeom prst="roundRect">
             <a:avLst>
@@ -4281,7 +4281,7 @@
         <p:spPr>
           <a:xfrm rot="18679200">
             <a:off x="7004880" y="948600"/>
-            <a:ext cx="4941360" cy="4667760"/>
+            <a:ext cx="4941000" cy="4667400"/>
           </a:xfrm>
           <a:prstGeom prst="roundRect">
             <a:avLst>
@@ -4319,7 +4319,7 @@
         <p:spPr>
           <a:xfrm>
             <a:off x="459720" y="4671360"/>
-            <a:ext cx="2997000" cy="267840"/>
+            <a:ext cx="2996640" cy="267480"/>
           </a:xfrm>
           <a:prstGeom prst="rect">
             <a:avLst/>
@@ -4384,8 +4384,8 @@
         </p:blipFill>
         <p:spPr>
           <a:xfrm>
-            <a:off x="2423160" y="4671720"/>
-            <a:ext cx="289440" cy="289440"/>
+            <a:off x="2971800" y="4740120"/>
+            <a:ext cx="289080" cy="289080"/>
           </a:xfrm>
           <a:prstGeom prst="rect">
             <a:avLst/>
@@ -4404,7 +4404,7 @@
         <p:spPr>
           <a:xfrm>
             <a:off x="484920" y="1681560"/>
-            <a:ext cx="5482440" cy="1883880"/>
+            <a:ext cx="5482080" cy="1883520"/>
           </a:xfrm>
           <a:prstGeom prst="rect">
             <a:avLst/>
@@ -4486,7 +4486,7 @@
         <p:spPr>
           <a:xfrm>
             <a:off x="586440" y="1246680"/>
-            <a:ext cx="4005720" cy="3601440"/>
+            <a:ext cx="4005360" cy="3601080"/>
           </a:xfrm>
           <a:prstGeom prst="rect">
             <a:avLst/>
@@ -4538,7 +4538,7 @@
         <p:spPr>
           <a:xfrm>
             <a:off x="559800" y="446040"/>
-            <a:ext cx="4285080" cy="685080"/>
+            <a:ext cx="4284720" cy="684720"/>
           </a:xfrm>
           <a:prstGeom prst="rect">
             <a:avLst/>
@@ -4590,7 +4590,7 @@
         <p:spPr>
           <a:xfrm>
             <a:off x="5097600" y="360"/>
-            <a:ext cx="4381200" cy="5145480"/>
+            <a:ext cx="4380840" cy="5145120"/>
           </a:xfrm>
           <a:prstGeom prst="roundRect">
             <a:avLst>
@@ -4655,8 +4655,8 @@
         </p:nvSpPr>
         <p:spPr>
           <a:xfrm rot="2744400">
-            <a:off x="-282600" y="-25920"/>
-            <a:ext cx="705960" cy="705600"/>
+            <a:off x="-282240" y="-25920"/>
+            <a:ext cx="705600" cy="705240"/>
           </a:xfrm>
           <a:prstGeom prst="roundRect">
             <a:avLst>
@@ -4693,8 +4693,8 @@
         </p:nvSpPr>
         <p:spPr>
           <a:xfrm rot="2625600">
-            <a:off x="4861080" y="4147920"/>
-            <a:ext cx="469800" cy="469800"/>
+            <a:off x="4861080" y="4147560"/>
+            <a:ext cx="469440" cy="469440"/>
           </a:xfrm>
           <a:prstGeom prst="roundRect">
             <a:avLst>
@@ -4768,8 +4768,8 @@
         </p:nvSpPr>
         <p:spPr>
           <a:xfrm rot="2744400">
-            <a:off x="-351720" y="4541400"/>
-            <a:ext cx="705960" cy="705600"/>
+            <a:off x="-351360" y="4541040"/>
+            <a:ext cx="705600" cy="705240"/>
           </a:xfrm>
           <a:prstGeom prst="roundRect">
             <a:avLst>
@@ -4806,8 +4806,8 @@
         </p:nvSpPr>
         <p:spPr>
           <a:xfrm rot="19228200">
-            <a:off x="5847480" y="-2268000"/>
-            <a:ext cx="4856760" cy="7727760"/>
+            <a:off x="5847120" y="-2267640"/>
+            <a:ext cx="4856400" cy="7727400"/>
           </a:xfrm>
           <a:prstGeom prst="roundRect">
             <a:avLst>
@@ -4845,9 +4845,9 @@
         <p:grpSpPr>
           <a:xfrm>
             <a:off x="4571640" y="828000"/>
-            <a:ext cx="4469760" cy="3565800"/>
+            <a:ext cx="4469400" cy="3565440"/>
             <a:chOff x="4571640" y="828000"/>
-            <a:chExt cx="4469760" cy="3565800"/>
+            <a:chExt cx="4469400" cy="3565440"/>
           </a:xfrm>
         </p:grpSpPr>
         <p:pic>
@@ -4863,7 +4863,7 @@
           <p:spPr>
             <a:xfrm>
               <a:off x="4571640" y="828000"/>
-              <a:ext cx="4469760" cy="3565800"/>
+              <a:ext cx="4469400" cy="3565440"/>
             </a:xfrm>
             <a:prstGeom prst="rect">
               <a:avLst/>
@@ -4881,8 +4881,8 @@
           </p:nvSpPr>
           <p:spPr>
             <a:xfrm rot="16200000">
-              <a:off x="5962680" y="1157400"/>
-              <a:ext cx="1738800" cy="2772720"/>
+              <a:off x="5962680" y="1157760"/>
+              <a:ext cx="1738440" cy="2772360"/>
             </a:xfrm>
             <a:prstGeom prst="roundRect">
               <a:avLst>
@@ -4949,7 +4949,7 @@
         <p:spPr>
           <a:xfrm>
             <a:off x="586440" y="1246680"/>
-            <a:ext cx="4005720" cy="3601440"/>
+            <a:ext cx="4005360" cy="3601080"/>
           </a:xfrm>
           <a:prstGeom prst="rect">
             <a:avLst/>
@@ -5001,7 +5001,7 @@
         <p:spPr>
           <a:xfrm>
             <a:off x="5446080" y="1672200"/>
-            <a:ext cx="2781720" cy="1738800"/>
+            <a:ext cx="2781360" cy="1738440"/>
           </a:xfrm>
           <a:prstGeom prst="rect">
             <a:avLst/>
@@ -5053,7 +5053,7 @@
         <p:spPr>
           <a:xfrm>
             <a:off x="586440" y="453960"/>
-            <a:ext cx="3698280" cy="856800"/>
+            <a:ext cx="3697920" cy="856440"/>
           </a:xfrm>
           <a:prstGeom prst="rect">
             <a:avLst/>
@@ -5142,7 +5142,7 @@
         <p:spPr>
           <a:xfrm>
             <a:off x="4222080" y="1246680"/>
-            <a:ext cx="4116600" cy="3601440"/>
+            <a:ext cx="4116240" cy="3601080"/>
           </a:xfrm>
           <a:prstGeom prst="rect">
             <a:avLst/>
@@ -5193,8 +5193,8 @@
         </p:nvSpPr>
         <p:spPr>
           <a:xfrm rot="16200000">
-            <a:off x="-2181600" y="1731960"/>
-            <a:ext cx="5145480" cy="1685520"/>
+            <a:off x="-2181600" y="1732320"/>
+            <a:ext cx="5145120" cy="1685160"/>
           </a:xfrm>
           <a:prstGeom prst="roundRect">
             <a:avLst>
@@ -5232,7 +5232,7 @@
         <p:spPr>
           <a:xfrm rot="2745000">
             <a:off x="8575200" y="104760"/>
-            <a:ext cx="1134000" cy="1133640"/>
+            <a:ext cx="1133640" cy="1133280"/>
           </a:xfrm>
           <a:prstGeom prst="roundRect">
             <a:avLst>
@@ -5269,8 +5269,8 @@
         </p:nvSpPr>
         <p:spPr>
           <a:xfrm rot="16200000">
-            <a:off x="614880" y="917280"/>
-            <a:ext cx="3233520" cy="3315240"/>
+            <a:off x="614880" y="917640"/>
+            <a:ext cx="3233160" cy="3314880"/>
           </a:xfrm>
           <a:prstGeom prst="roundRect">
             <a:avLst>
@@ -5336,7 +5336,7 @@
         <p:spPr>
           <a:xfrm>
             <a:off x="4214160" y="456120"/>
-            <a:ext cx="4113360" cy="856800"/>
+            <a:ext cx="4113000" cy="856440"/>
           </a:xfrm>
           <a:prstGeom prst="rect">
             <a:avLst/>
@@ -5424,8 +5424,8 @@
         </p:nvSpPr>
         <p:spPr>
           <a:xfrm rot="2744400">
-            <a:off x="-282600" y="-25920"/>
-            <a:ext cx="705960" cy="705600"/>
+            <a:off x="-282240" y="-25920"/>
+            <a:ext cx="705600" cy="705240"/>
           </a:xfrm>
           <a:prstGeom prst="roundRect">
             <a:avLst>
@@ -5463,7 +5463,7 @@
         <p:spPr>
           <a:xfrm rot="2332200">
             <a:off x="6009480" y="-320040"/>
-            <a:ext cx="4857120" cy="7728120"/>
+            <a:ext cx="4856760" cy="7727760"/>
           </a:xfrm>
           <a:prstGeom prst="roundRect">
             <a:avLst>
@@ -5501,9 +5501,9 @@
         <p:grpSpPr>
           <a:xfrm>
             <a:off x="4571640" y="828000"/>
-            <a:ext cx="4469760" cy="3565800"/>
+            <a:ext cx="4469400" cy="3565440"/>
             <a:chOff x="4571640" y="828000"/>
-            <a:chExt cx="4469760" cy="3565800"/>
+            <a:chExt cx="4469400" cy="3565440"/>
           </a:xfrm>
         </p:grpSpPr>
         <p:pic>
@@ -5519,7 +5519,7 @@
           <p:spPr>
             <a:xfrm>
               <a:off x="4571640" y="828000"/>
-              <a:ext cx="4469760" cy="3565800"/>
+              <a:ext cx="4469400" cy="3565440"/>
             </a:xfrm>
             <a:prstGeom prst="rect">
               <a:avLst/>
@@ -5537,8 +5537,8 @@
           </p:nvSpPr>
           <p:spPr>
             <a:xfrm rot="16200000">
-              <a:off x="5962680" y="1157400"/>
-              <a:ext cx="1738800" cy="2772720"/>
+              <a:off x="5962680" y="1157760"/>
+              <a:ext cx="1738440" cy="2772360"/>
             </a:xfrm>
             <a:prstGeom prst="roundRect">
               <a:avLst>
@@ -5605,7 +5605,7 @@
         <p:spPr>
           <a:xfrm>
             <a:off x="5446080" y="1672200"/>
-            <a:ext cx="2772360" cy="1738800"/>
+            <a:ext cx="2772000" cy="1738440"/>
           </a:xfrm>
           <a:prstGeom prst="rect">
             <a:avLst/>
@@ -5657,7 +5657,7 @@
         <p:spPr>
           <a:xfrm>
             <a:off x="586440" y="1246680"/>
-            <a:ext cx="4005720" cy="3601440"/>
+            <a:ext cx="4005360" cy="3601080"/>
           </a:xfrm>
           <a:prstGeom prst="rect">
             <a:avLst/>
@@ -5709,7 +5709,7 @@
         <p:spPr>
           <a:xfrm>
             <a:off x="586440" y="453960"/>
-            <a:ext cx="4765680" cy="856800"/>
+            <a:ext cx="4765320" cy="856440"/>
           </a:xfrm>
           <a:prstGeom prst="rect">
             <a:avLst/>
@@ -5798,7 +5798,7 @@
         <p:spPr>
           <a:xfrm rot="2745600">
             <a:off x="8349840" y="-668520"/>
-            <a:ext cx="1499760" cy="1499760"/>
+            <a:ext cx="1499400" cy="1499400"/>
           </a:xfrm>
           <a:prstGeom prst="roundRect">
             <a:avLst>
@@ -5836,7 +5836,7 @@
         <p:spPr>
           <a:xfrm rot="2745600">
             <a:off x="7634160" y="-322920"/>
-            <a:ext cx="808560" cy="808920"/>
+            <a:ext cx="808200" cy="808560"/>
           </a:xfrm>
           <a:prstGeom prst="roundRect">
             <a:avLst>
@@ -5875,7 +5875,7 @@
         <p:spPr>
           <a:xfrm>
             <a:off x="586440" y="899640"/>
-            <a:ext cx="7933320" cy="1538640"/>
+            <a:ext cx="7932960" cy="1538280"/>
           </a:xfrm>
           <a:prstGeom prst="rect">
             <a:avLst/>
@@ -5927,7 +5927,7 @@
         <p:spPr>
           <a:xfrm>
             <a:off x="608040" y="2545560"/>
-            <a:ext cx="3713760" cy="2257200"/>
+            <a:ext cx="3713400" cy="2256840"/>
           </a:xfrm>
           <a:prstGeom prst="rect">
             <a:avLst/>
@@ -5979,7 +5979,7 @@
         <p:spPr>
           <a:xfrm>
             <a:off x="4806360" y="2545560"/>
-            <a:ext cx="3713760" cy="2257200"/>
+            <a:ext cx="3713400" cy="2256840"/>
           </a:xfrm>
           <a:prstGeom prst="rect">
             <a:avLst/>
@@ -6031,7 +6031,7 @@
         <p:spPr>
           <a:xfrm>
             <a:off x="583200" y="450720"/>
-            <a:ext cx="7199640" cy="513720"/>
+            <a:ext cx="7199280" cy="513360"/>
           </a:xfrm>
           <a:prstGeom prst="rect">
             <a:avLst/>
@@ -6113,7 +6113,7 @@
         <p:spPr>
           <a:xfrm>
             <a:off x="586440" y="1246680"/>
-            <a:ext cx="4005720" cy="3601440"/>
+            <a:ext cx="4005360" cy="3601080"/>
           </a:xfrm>
           <a:prstGeom prst="rect">
             <a:avLst/>
@@ -6165,7 +6165,7 @@
         <p:spPr>
           <a:xfrm>
             <a:off x="559800" y="446040"/>
-            <a:ext cx="4285080" cy="685080"/>
+            <a:ext cx="4284720" cy="684720"/>
           </a:xfrm>
           <a:prstGeom prst="rect">
             <a:avLst/>
@@ -6217,7 +6217,7 @@
         <p:spPr>
           <a:xfrm>
             <a:off x="5097600" y="360"/>
-            <a:ext cx="4381200" cy="5145480"/>
+            <a:ext cx="4380840" cy="5145120"/>
           </a:xfrm>
           <a:prstGeom prst="roundRect">
             <a:avLst>
@@ -6282,8 +6282,8 @@
         </p:nvSpPr>
         <p:spPr>
           <a:xfrm rot="2744400">
-            <a:off x="-282600" y="-25920"/>
-            <a:ext cx="705960" cy="705600"/>
+            <a:off x="-282240" y="-25920"/>
+            <a:ext cx="705600" cy="705240"/>
           </a:xfrm>
           <a:prstGeom prst="roundRect">
             <a:avLst>
@@ -6320,8 +6320,8 @@
         </p:nvSpPr>
         <p:spPr>
           <a:xfrm rot="2625600">
-            <a:off x="4861080" y="4147920"/>
-            <a:ext cx="469800" cy="469800"/>
+            <a:off x="4861080" y="4147560"/>
+            <a:ext cx="469440" cy="469440"/>
           </a:xfrm>
           <a:prstGeom prst="roundRect">
             <a:avLst>
@@ -6395,8 +6395,8 @@
         </p:nvSpPr>
         <p:spPr>
           <a:xfrm rot="2744400">
-            <a:off x="-282600" y="-25920"/>
-            <a:ext cx="705960" cy="705600"/>
+            <a:off x="-282240" y="-25920"/>
+            <a:ext cx="705600" cy="705240"/>
           </a:xfrm>
           <a:prstGeom prst="roundRect">
             <a:avLst>
@@ -6434,7 +6434,7 @@
         <p:spPr>
           <a:xfrm>
             <a:off x="569160" y="1888920"/>
-            <a:ext cx="4822560" cy="820800"/>
+            <a:ext cx="4822200" cy="820800"/>
           </a:xfrm>
           <a:prstGeom prst="rect">
             <a:avLst/>
@@ -6486,7 +6486,7 @@
         <p:spPr>
           <a:xfrm rot="18679800">
             <a:off x="6783120" y="457560"/>
-            <a:ext cx="6252120" cy="4667760"/>
+            <a:ext cx="6251760" cy="4667400"/>
           </a:xfrm>
           <a:prstGeom prst="roundRect">
             <a:avLst>
@@ -6523,8 +6523,8 @@
         </p:nvSpPr>
         <p:spPr>
           <a:xfrm rot="2625600">
-            <a:off x="6024960" y="4334040"/>
-            <a:ext cx="469800" cy="469800"/>
+            <a:off x="6024960" y="4333680"/>
+            <a:ext cx="469440" cy="469440"/>
           </a:xfrm>
           <a:prstGeom prst="roundRect">
             <a:avLst>
@@ -6562,7 +6562,7 @@
         <p:spPr>
           <a:xfrm>
             <a:off x="1640880" y="4592880"/>
-            <a:ext cx="2997000" cy="267840"/>
+            <a:ext cx="2996640" cy="267480"/>
           </a:xfrm>
           <a:prstGeom prst="rect">
             <a:avLst/>
@@ -6624,7 +6624,7 @@
         <p:spPr>
           <a:xfrm>
             <a:off x="867240" y="3590280"/>
-            <a:ext cx="254880" cy="255240"/>
+            <a:ext cx="254520" cy="254880"/>
           </a:xfrm>
           <a:prstGeom prst="ellipse">
             <a:avLst/>
@@ -6659,7 +6659,7 @@
         <p:spPr>
           <a:xfrm>
             <a:off x="351000" y="3793320"/>
-            <a:ext cx="1287360" cy="1132920"/>
+            <a:ext cx="1287000" cy="1132560"/>
           </a:xfrm>
           <a:prstGeom prst="rect">
             <a:avLst/>
